--- a/plantilla.pptx
+++ b/plantilla.pptx
@@ -243,7 +243,7 @@
           <a:p>
             <a:fld id="{57E07931-955E-4E8B-BB35-3EFD55A3F24E}" type="datetimeFigureOut">
               <a:rPr lang="en-US" smtClean="0"/>
-              <a:t>8/28/2025</a:t>
+              <a:t>8/29/2025</a:t>
             </a:fld>
             <a:endParaRPr lang="en-US"/>
           </a:p>
@@ -413,7 +413,7 @@
           <a:p>
             <a:fld id="{57E07931-955E-4E8B-BB35-3EFD55A3F24E}" type="datetimeFigureOut">
               <a:rPr lang="en-US" smtClean="0"/>
-              <a:t>8/28/2025</a:t>
+              <a:t>8/29/2025</a:t>
             </a:fld>
             <a:endParaRPr lang="en-US"/>
           </a:p>
@@ -593,7 +593,7 @@
           <a:p>
             <a:fld id="{57E07931-955E-4E8B-BB35-3EFD55A3F24E}" type="datetimeFigureOut">
               <a:rPr lang="en-US" smtClean="0"/>
-              <a:t>8/28/2025</a:t>
+              <a:t>8/29/2025</a:t>
             </a:fld>
             <a:endParaRPr lang="en-US"/>
           </a:p>
@@ -763,7 +763,7 @@
           <a:p>
             <a:fld id="{57E07931-955E-4E8B-BB35-3EFD55A3F24E}" type="datetimeFigureOut">
               <a:rPr lang="en-US" smtClean="0"/>
-              <a:t>8/28/2025</a:t>
+              <a:t>8/29/2025</a:t>
             </a:fld>
             <a:endParaRPr lang="en-US"/>
           </a:p>
@@ -1007,7 +1007,7 @@
           <a:p>
             <a:fld id="{57E07931-955E-4E8B-BB35-3EFD55A3F24E}" type="datetimeFigureOut">
               <a:rPr lang="en-US" smtClean="0"/>
-              <a:t>8/28/2025</a:t>
+              <a:t>8/29/2025</a:t>
             </a:fld>
             <a:endParaRPr lang="en-US"/>
           </a:p>
@@ -1239,7 +1239,7 @@
           <a:p>
             <a:fld id="{57E07931-955E-4E8B-BB35-3EFD55A3F24E}" type="datetimeFigureOut">
               <a:rPr lang="en-US" smtClean="0"/>
-              <a:t>8/28/2025</a:t>
+              <a:t>8/29/2025</a:t>
             </a:fld>
             <a:endParaRPr lang="en-US"/>
           </a:p>
@@ -1606,7 +1606,7 @@
           <a:p>
             <a:fld id="{57E07931-955E-4E8B-BB35-3EFD55A3F24E}" type="datetimeFigureOut">
               <a:rPr lang="en-US" smtClean="0"/>
-              <a:t>8/28/2025</a:t>
+              <a:t>8/29/2025</a:t>
             </a:fld>
             <a:endParaRPr lang="en-US"/>
           </a:p>
@@ -1724,7 +1724,7 @@
           <a:p>
             <a:fld id="{57E07931-955E-4E8B-BB35-3EFD55A3F24E}" type="datetimeFigureOut">
               <a:rPr lang="en-US" smtClean="0"/>
-              <a:t>8/28/2025</a:t>
+              <a:t>8/29/2025</a:t>
             </a:fld>
             <a:endParaRPr lang="en-US"/>
           </a:p>
@@ -1819,7 +1819,7 @@
           <a:p>
             <a:fld id="{57E07931-955E-4E8B-BB35-3EFD55A3F24E}" type="datetimeFigureOut">
               <a:rPr lang="en-US" smtClean="0"/>
-              <a:t>8/28/2025</a:t>
+              <a:t>8/29/2025</a:t>
             </a:fld>
             <a:endParaRPr lang="en-US"/>
           </a:p>
@@ -2096,7 +2096,7 @@
           <a:p>
             <a:fld id="{57E07931-955E-4E8B-BB35-3EFD55A3F24E}" type="datetimeFigureOut">
               <a:rPr lang="en-US" smtClean="0"/>
-              <a:t>8/28/2025</a:t>
+              <a:t>8/29/2025</a:t>
             </a:fld>
             <a:endParaRPr lang="en-US"/>
           </a:p>
@@ -2353,7 +2353,7 @@
           <a:p>
             <a:fld id="{57E07931-955E-4E8B-BB35-3EFD55A3F24E}" type="datetimeFigureOut">
               <a:rPr lang="en-US" smtClean="0"/>
-              <a:t>8/28/2025</a:t>
+              <a:t>8/29/2025</a:t>
             </a:fld>
             <a:endParaRPr lang="en-US"/>
           </a:p>
@@ -2575,7 +2575,7 @@
           <a:p>
             <a:fld id="{57E07931-955E-4E8B-BB35-3EFD55A3F24E}" type="datetimeFigureOut">
               <a:rPr lang="en-US" smtClean="0"/>
-              <a:t>8/28/2025</a:t>
+              <a:t>8/29/2025</a:t>
             </a:fld>
             <a:endParaRPr lang="en-US"/>
           </a:p>
@@ -3285,7 +3285,7 @@
         </p:nvCxnSpPr>
         <p:spPr>
           <a:xfrm>
-            <a:off x="1542472" y="6285513"/>
+            <a:off x="4228306" y="6209313"/>
             <a:ext cx="2235200" cy="0"/>
           </a:xfrm>
           <a:prstGeom prst="line">
@@ -3320,7 +3320,7 @@
         </p:nvSpPr>
         <p:spPr>
           <a:xfrm>
-            <a:off x="1828799" y="6285513"/>
+            <a:off x="4514633" y="6209313"/>
             <a:ext cx="1662546" cy="292388"/>
           </a:xfrm>
           <a:prstGeom prst="rect">
@@ -3353,7 +3353,7 @@
         </p:nvSpPr>
         <p:spPr>
           <a:xfrm>
-            <a:off x="1828799" y="6486365"/>
+            <a:off x="4514633" y="6410165"/>
             <a:ext cx="1662546" cy="276999"/>
           </a:xfrm>
           <a:prstGeom prst="rect">
@@ -3374,107 +3374,6 @@
                 <a:cs typeface="Poppins" panose="00000500000000000000" pitchFamily="2" charset="0"/>
               </a:rPr>
               <a:t>RECTOR</a:t>
-            </a:r>
-          </a:p>
-        </p:txBody>
-      </p:sp>
-      <p:cxnSp>
-        <p:nvCxnSpPr>
-          <p:cNvPr id="18" name="Conector recto 17"/>
-          <p:cNvCxnSpPr/>
-          <p:nvPr/>
-        </p:nvCxnSpPr>
-        <p:spPr>
-          <a:xfrm>
-            <a:off x="7111999" y="6285513"/>
-            <a:ext cx="2235200" cy="0"/>
-          </a:xfrm>
-          <a:prstGeom prst="line">
-            <a:avLst/>
-          </a:prstGeom>
-          <a:ln>
-            <a:solidFill>
-              <a:schemeClr val="tx1"/>
-            </a:solidFill>
-          </a:ln>
-        </p:spPr>
-        <p:style>
-          <a:lnRef idx="1">
-            <a:schemeClr val="accent1"/>
-          </a:lnRef>
-          <a:fillRef idx="0">
-            <a:schemeClr val="accent1"/>
-          </a:fillRef>
-          <a:effectRef idx="0">
-            <a:schemeClr val="accent1"/>
-          </a:effectRef>
-          <a:fontRef idx="minor">
-            <a:schemeClr val="tx1"/>
-          </a:fontRef>
-        </p:style>
-      </p:cxnSp>
-      <p:sp>
-        <p:nvSpPr>
-          <p:cNvPr id="19" name="CuadroTexto 18"/>
-          <p:cNvSpPr txBox="1"/>
-          <p:nvPr/>
-        </p:nvSpPr>
-        <p:spPr>
-          <a:xfrm>
-            <a:off x="7398326" y="6285513"/>
-            <a:ext cx="1662546" cy="292388"/>
-          </a:xfrm>
-          <a:prstGeom prst="rect">
-            <a:avLst/>
-          </a:prstGeom>
-          <a:noFill/>
-        </p:spPr>
-        <p:txBody>
-          <a:bodyPr wrap="square" rtlCol="0">
-            <a:spAutoFit/>
-          </a:bodyPr>
-          <a:lstStyle/>
-          <a:p>
-            <a:pPr algn="ctr"/>
-            <a:r>
-              <a:rPr lang="es-ES" sz="1300" b="1" dirty="0">
-                <a:latin typeface="Poppins" panose="00000500000000000000" pitchFamily="2" charset="0"/>
-                <a:cs typeface="Poppins" panose="00000500000000000000" pitchFamily="2" charset="0"/>
-              </a:rPr>
-              <a:t>XXXX</a:t>
-            </a:r>
-          </a:p>
-        </p:txBody>
-      </p:sp>
-      <p:sp>
-        <p:nvSpPr>
-          <p:cNvPr id="20" name="CuadroTexto 19"/>
-          <p:cNvSpPr txBox="1"/>
-          <p:nvPr/>
-        </p:nvSpPr>
-        <p:spPr>
-          <a:xfrm>
-            <a:off x="7038107" y="6497226"/>
-            <a:ext cx="2382983" cy="276999"/>
-          </a:xfrm>
-          <a:prstGeom prst="rect">
-            <a:avLst/>
-          </a:prstGeom>
-          <a:noFill/>
-        </p:spPr>
-        <p:txBody>
-          <a:bodyPr wrap="square" rtlCol="0">
-            <a:spAutoFit/>
-          </a:bodyPr>
-          <a:lstStyle/>
-          <a:p>
-            <a:pPr algn="ctr"/>
-            <a:r>
-              <a:rPr lang="es-ES" sz="1200" dirty="0">
-                <a:latin typeface="Poppins" panose="00000500000000000000" pitchFamily="2" charset="0"/>
-                <a:cs typeface="Poppins" panose="00000500000000000000" pitchFamily="2" charset="0"/>
-              </a:rPr>
-              <a:t>COORDINADOR ACADÉMICO</a:t>
             </a:r>
           </a:p>
         </p:txBody>
